--- a/CityBuildingAnimation.pptx
+++ b/CityBuildingAnimation.pptx
@@ -302,7 +302,7 @@
           <a:p>
             <a:fld id="{BD355C43-E20E-4C7C-8C83-D962F412C484}" type="datetimeFigureOut">
               <a:rPr lang="en-US" smtClean="0"/>
-              <a:t>13-Apr-21</a:t>
+              <a:t>10-Sep-22</a:t>
             </a:fld>
             <a:endParaRPr lang="en-US"/>
           </a:p>
@@ -470,7 +470,7 @@
           <a:p>
             <a:fld id="{BD355C43-E20E-4C7C-8C83-D962F412C484}" type="datetimeFigureOut">
               <a:rPr lang="en-US" smtClean="0"/>
-              <a:t>13-Apr-21</a:t>
+              <a:t>10-Sep-22</a:t>
             </a:fld>
             <a:endParaRPr lang="en-US"/>
           </a:p>
@@ -648,7 +648,7 @@
           <a:p>
             <a:fld id="{BD355C43-E20E-4C7C-8C83-D962F412C484}" type="datetimeFigureOut">
               <a:rPr lang="en-US" smtClean="0"/>
-              <a:t>13-Apr-21</a:t>
+              <a:t>10-Sep-22</a:t>
             </a:fld>
             <a:endParaRPr lang="en-US"/>
           </a:p>
@@ -816,7 +816,7 @@
           <a:p>
             <a:fld id="{BD355C43-E20E-4C7C-8C83-D962F412C484}" type="datetimeFigureOut">
               <a:rPr lang="en-US" smtClean="0"/>
-              <a:t>13-Apr-21</a:t>
+              <a:t>10-Sep-22</a:t>
             </a:fld>
             <a:endParaRPr lang="en-US"/>
           </a:p>
@@ -1061,7 +1061,7 @@
           <a:p>
             <a:fld id="{BD355C43-E20E-4C7C-8C83-D962F412C484}" type="datetimeFigureOut">
               <a:rPr lang="en-US" smtClean="0"/>
-              <a:t>13-Apr-21</a:t>
+              <a:t>10-Sep-22</a:t>
             </a:fld>
             <a:endParaRPr lang="en-US"/>
           </a:p>
@@ -1346,7 +1346,7 @@
           <a:p>
             <a:fld id="{BD355C43-E20E-4C7C-8C83-D962F412C484}" type="datetimeFigureOut">
               <a:rPr lang="en-US" smtClean="0"/>
-              <a:t>13-Apr-21</a:t>
+              <a:t>10-Sep-22</a:t>
             </a:fld>
             <a:endParaRPr lang="en-US"/>
           </a:p>
@@ -1765,7 +1765,7 @@
           <a:p>
             <a:fld id="{BD355C43-E20E-4C7C-8C83-D962F412C484}" type="datetimeFigureOut">
               <a:rPr lang="en-US" smtClean="0"/>
-              <a:t>13-Apr-21</a:t>
+              <a:t>10-Sep-22</a:t>
             </a:fld>
             <a:endParaRPr lang="en-US"/>
           </a:p>
@@ -1882,7 +1882,7 @@
           <a:p>
             <a:fld id="{BD355C43-E20E-4C7C-8C83-D962F412C484}" type="datetimeFigureOut">
               <a:rPr lang="en-US" smtClean="0"/>
-              <a:t>13-Apr-21</a:t>
+              <a:t>10-Sep-22</a:t>
             </a:fld>
             <a:endParaRPr lang="en-US"/>
           </a:p>
@@ -1977,7 +1977,7 @@
           <a:p>
             <a:fld id="{BD355C43-E20E-4C7C-8C83-D962F412C484}" type="datetimeFigureOut">
               <a:rPr lang="en-US" smtClean="0"/>
-              <a:t>13-Apr-21</a:t>
+              <a:t>10-Sep-22</a:t>
             </a:fld>
             <a:endParaRPr lang="en-US"/>
           </a:p>
@@ -2252,7 +2252,7 @@
           <a:p>
             <a:fld id="{BD355C43-E20E-4C7C-8C83-D962F412C484}" type="datetimeFigureOut">
               <a:rPr lang="en-US" smtClean="0"/>
-              <a:t>13-Apr-21</a:t>
+              <a:t>10-Sep-22</a:t>
             </a:fld>
             <a:endParaRPr lang="en-US"/>
           </a:p>
@@ -2504,7 +2504,7 @@
           <a:p>
             <a:fld id="{BD355C43-E20E-4C7C-8C83-D962F412C484}" type="datetimeFigureOut">
               <a:rPr lang="en-US" smtClean="0"/>
-              <a:t>13-Apr-21</a:t>
+              <a:t>10-Sep-22</a:t>
             </a:fld>
             <a:endParaRPr lang="en-US"/>
           </a:p>
@@ -2715,7 +2715,7 @@
           <a:p>
             <a:fld id="{BD355C43-E20E-4C7C-8C83-D962F412C484}" type="datetimeFigureOut">
               <a:rPr lang="en-US" smtClean="0"/>
-              <a:t>13-Apr-21</a:t>
+              <a:t>10-Sep-22</a:t>
             </a:fld>
             <a:endParaRPr lang="en-US"/>
           </a:p>
@@ -22979,6 +22979,9 @@
         </p:grpSp>
       </p:grpSp>
     </p:spTree>
+    <p:custDataLst>
+      <p:tags r:id="rId1"/>
+    </p:custDataLst>
     <p:extLst>
       <p:ext uri="{BB962C8B-B14F-4D97-AF65-F5344CB8AC3E}">
         <p14:creationId xmlns:p14="http://schemas.microsoft.com/office/powerpoint/2010/main" val="2573986854"/>
@@ -22988,6 +22991,14 @@
   <p:clrMapOvr>
     <a:masterClrMapping/>
   </p:clrMapOvr>
+  <mc:AlternateContent xmlns:mc="http://schemas.openxmlformats.org/markup-compatibility/2006">
+    <mc:Choice xmlns:p14="http://schemas.microsoft.com/office/powerpoint/2010/main" Requires="p14">
+      <p:transition spd="slow" p14:dur="2000" advTm="5167"/>
+    </mc:Choice>
+    <mc:Fallback>
+      <p:transition spd="slow" advTm="5167"/>
+    </mc:Fallback>
+  </mc:AlternateContent>
   <p:timing>
     <p:tnLst>
       <p:par>
@@ -23077,6 +23088,12 @@
     </p:tnLst>
   </p:timing>
 </p:sld>
+</file>
+
+<file path=ppt/tags/tag1.xml><?xml version="1.0" encoding="utf-8"?>
+<p:tagLst xmlns:a="http://schemas.openxmlformats.org/drawingml/2006/main" xmlns:r="http://schemas.openxmlformats.org/officeDocument/2006/relationships" xmlns:p="http://schemas.openxmlformats.org/presentationml/2006/main">
+  <p:tag name="TIMING" val="|1.5"/>
+</p:tagLst>
 </file>
 
 <file path=ppt/theme/theme1.xml><?xml version="1.0" encoding="utf-8"?>
